--- a/3 small CPU tips.pptx
+++ b/3 small CPU tips.pptx
@@ -3423,11 +3423,11 @@
           <a:p>
             <a:r>
               <a:rPr lang="en-US" dirty="0" smtClean="0"/>
-              <a:t>A system software </a:t>
-            </a:r>
-            <a:r>
-              <a:rPr lang="en-US" dirty="0"/>
-              <a:t>/ performance </a:t>
+              <a:t>A system </a:t>
+            </a:r>
+            <a:r>
+              <a:rPr lang="en-US" dirty="0" smtClean="0"/>
+              <a:t>software </a:t>
             </a:r>
             <a:r>
               <a:rPr lang="en-US" dirty="0" smtClean="0"/>
@@ -3992,11 +3992,7 @@
             </a:r>
             <a:r>
               <a:rPr lang="en-US" dirty="0" smtClean="0"/>
-              <a:t>SPARC</a:t>
-            </a:r>
-            <a:r>
-              <a:rPr lang="en-US" dirty="0" smtClean="0"/>
-              <a:t>),</a:t>
+              <a:t>SPARC),</a:t>
             </a:r>
             <a:r>
               <a:rPr lang="en-US" dirty="0"/>
@@ -4004,15 +4000,35 @@
             </a:r>
             <a:r>
               <a:rPr lang="en-US" dirty="0" smtClean="0"/>
-              <a:t>i.e., the begin memory address of short (size is 2 bytes) data should be multiple of 2 (0x0), while integer (size is 4 bytes) should multiple of 4 (0x00), etc</a:t>
+              <a:t>i.e., the begin memory address of short (size is 2 bytes) data should be multiple </a:t>
+            </a:r>
+            <a:r>
+              <a:rPr lang="en-US" smtClean="0"/>
+              <a:t>of </a:t>
+            </a:r>
+            <a:r>
+              <a:rPr lang="en-US" smtClean="0"/>
+              <a:t>2</a:t>
+            </a:r>
+            <a:r>
+              <a:rPr lang="en-US" smtClean="0"/>
+              <a:t>, </a:t>
             </a:r>
             <a:r>
               <a:rPr lang="en-US" dirty="0" smtClean="0"/>
-              <a:t>. If </a:t>
+              <a:t>while integer (size is 4 bytes) should multiple </a:t>
+            </a:r>
+            <a:r>
+              <a:rPr lang="en-US" smtClean="0"/>
+              <a:t>of </a:t>
+            </a:r>
+            <a:r>
+              <a:rPr lang="en-US" smtClean="0"/>
+              <a:t>4, </a:t>
             </a:r>
             <a:r>
               <a:rPr lang="en-US" dirty="0" smtClean="0"/>
-              <a:t>the data is not byte-alignment, the program will crash. For example, on SPARC, it will complain “Bus error”.</a:t>
+              <a:t>etc. If the data is not byte-alignment, the program will crash. For example, on SPARC, it will complain “Bus error”.</a:t>
             </a:r>
           </a:p>
           <a:p>
@@ -4293,6 +4309,13 @@
   <p:clrMapOvr>
     <a:masterClrMapping/>
   </p:clrMapOvr>
+  <p:timing>
+    <p:tnLst>
+      <p:par>
+        <p:cTn id="1" dur="indefinite" restart="never" nodeType="tmRoot"/>
+      </p:par>
+    </p:tnLst>
+  </p:timing>
 </p:sld>
 </file>
 
